--- a/RBasics/R Linear Regression 19.pptx
+++ b/RBasics/R Linear Regression 19.pptx
@@ -386,7 +386,7 @@
           <a:p>
             <a:fld id="{164D6929-F245-4866-86FC-E15875DDEC14}" type="datetimeFigureOut">
               <a:rPr lang="en-US" smtClean="0"/>
-              <a:t>6/23/2018</a:t>
+              <a:t>6/30/2018</a:t>
             </a:fld>
             <a:endParaRPr lang="en-US"/>
           </a:p>
@@ -599,7 +599,7 @@
           <a:p>
             <a:fld id="{164D6929-F245-4866-86FC-E15875DDEC14}" type="datetimeFigureOut">
               <a:rPr lang="en-US" smtClean="0"/>
-              <a:t>6/23/2018</a:t>
+              <a:t>6/30/2018</a:t>
             </a:fld>
             <a:endParaRPr lang="en-US"/>
           </a:p>
@@ -866,7 +866,7 @@
           <a:p>
             <a:fld id="{164D6929-F245-4866-86FC-E15875DDEC14}" type="datetimeFigureOut">
               <a:rPr lang="en-US" smtClean="0"/>
-              <a:t>6/23/2018</a:t>
+              <a:t>6/30/2018</a:t>
             </a:fld>
             <a:endParaRPr lang="en-US"/>
           </a:p>
@@ -1016,7 +1016,7 @@
           <a:p>
             <a:fld id="{164D6929-F245-4866-86FC-E15875DDEC14}" type="datetimeFigureOut">
               <a:rPr lang="en-US" smtClean="0"/>
-              <a:t>6/23/2018</a:t>
+              <a:t>6/30/2018</a:t>
             </a:fld>
             <a:endParaRPr lang="en-US"/>
           </a:p>
@@ -1346,7 +1346,7 @@
           <a:p>
             <a:fld id="{164D6929-F245-4866-86FC-E15875DDEC14}" type="datetimeFigureOut">
               <a:rPr lang="en-US" smtClean="0"/>
-              <a:t>6/23/2018</a:t>
+              <a:t>6/30/2018</a:t>
             </a:fld>
             <a:endParaRPr lang="en-US"/>
           </a:p>
@@ -1654,7 +1654,7 @@
           <a:p>
             <a:fld id="{164D6929-F245-4866-86FC-E15875DDEC14}" type="datetimeFigureOut">
               <a:rPr lang="en-US" smtClean="0"/>
-              <a:t>6/23/2018</a:t>
+              <a:t>6/30/2018</a:t>
             </a:fld>
             <a:endParaRPr lang="en-US"/>
           </a:p>
@@ -2075,7 +2075,7 @@
           <a:p>
             <a:fld id="{164D6929-F245-4866-86FC-E15875DDEC14}" type="datetimeFigureOut">
               <a:rPr lang="en-US" smtClean="0"/>
-              <a:t>6/23/2018</a:t>
+              <a:t>6/30/2018</a:t>
             </a:fld>
             <a:endParaRPr lang="en-US"/>
           </a:p>
@@ -2188,7 +2188,7 @@
           <a:p>
             <a:fld id="{164D6929-F245-4866-86FC-E15875DDEC14}" type="datetimeFigureOut">
               <a:rPr lang="en-US" smtClean="0"/>
-              <a:t>6/23/2018</a:t>
+              <a:t>6/30/2018</a:t>
             </a:fld>
             <a:endParaRPr lang="en-US"/>
           </a:p>
@@ -2347,7 +2347,7 @@
           <a:p>
             <a:fld id="{164D6929-F245-4866-86FC-E15875DDEC14}" type="datetimeFigureOut">
               <a:rPr lang="en-US" smtClean="0"/>
-              <a:t>6/23/2018</a:t>
+              <a:t>6/30/2018</a:t>
             </a:fld>
             <a:endParaRPr lang="en-US"/>
           </a:p>
@@ -2731,7 +2731,7 @@
           <a:p>
             <a:fld id="{164D6929-F245-4866-86FC-E15875DDEC14}" type="datetimeFigureOut">
               <a:rPr lang="en-US" smtClean="0"/>
-              <a:t>6/23/2018</a:t>
+              <a:t>6/30/2018</a:t>
             </a:fld>
             <a:endParaRPr lang="en-US"/>
           </a:p>
@@ -3093,7 +3093,7 @@
           <a:p>
             <a:fld id="{164D6929-F245-4866-86FC-E15875DDEC14}" type="datetimeFigureOut">
               <a:rPr lang="en-US" smtClean="0"/>
-              <a:t>6/23/2018</a:t>
+              <a:t>6/30/2018</a:t>
             </a:fld>
             <a:endParaRPr lang="en-US"/>
           </a:p>
@@ -3427,7 +3427,7 @@
           <a:p>
             <a:fld id="{164D6929-F245-4866-86FC-E15875DDEC14}" type="datetimeFigureOut">
               <a:rPr lang="en-US" smtClean="0"/>
-              <a:t>6/23/2018</a:t>
+              <a:t>6/30/2018</a:t>
             </a:fld>
             <a:endParaRPr lang="en-US"/>
           </a:p>
